--- a/Project Deliverables/CS 25-312_Poster.pptx
+++ b/Project Deliverables/CS 25-312_Poster.pptx
@@ -126,11 +126,7 @@
 <file path=ppt/revisionInfo.xml><?xml version="1.0" encoding="utf-8"?>
 <p1510:revInfo xmlns:a="http://schemas.openxmlformats.org/drawingml/2006/main" xmlns:r="http://schemas.openxmlformats.org/officeDocument/2006/relationships" xmlns:p1510="http://schemas.microsoft.com/office/powerpoint/2015/10/main">
   <p1510:revLst>
-    <p1510:client id="{4096B709-C2AE-1AA2-B284-1F6B91A5C61D}" v="1513" dt="2024-11-15T00:34:08.191"/>
-    <p1510:client id="{709B22A6-F1AB-04DE-6E69-1918E16E8CEF}" v="346" dt="2024-11-15T21:10:40.909"/>
-    <p1510:client id="{B04945A4-3C46-7566-D879-D6D5783B9415}" v="503" dt="2024-11-16T04:52:56.260"/>
-    <p1510:client id="{B12B7DDF-0607-A90B-C7AB-429A6B1E5597}" v="148" dt="2024-11-14T23:06:43.676"/>
-    <p1510:client id="{BEF2C3E0-FA85-6430-4FE3-C2C935D5EB1F}" v="978" dt="2024-11-14T23:46:41.744"/>
+    <p1510:client id="{DEBB551B-F3D8-1951-E433-BC31B4CFF442}" v="153" dt="2025-03-29T01:11:13.234"/>
   </p1510:revLst>
 </p1510:revInfo>
 </file>
@@ -264,7 +260,7 @@
           <a:p>
             <a:fld id="{C764DE79-268F-4C1A-8933-263129D2AF90}" type="datetimeFigureOut">
               <a:rPr lang="en-US" dirty="0"/>
-              <a:t>11/15/2024</a:t>
+              <a:t>3/28/2025</a:t>
             </a:fld>
             <a:endParaRPr lang="en-US"/>
           </a:p>
@@ -432,7 +428,7 @@
           <a:p>
             <a:fld id="{C764DE79-268F-4C1A-8933-263129D2AF90}" type="datetimeFigureOut">
               <a:rPr lang="en-US" dirty="0"/>
-              <a:t>11/15/2024</a:t>
+              <a:t>3/28/2025</a:t>
             </a:fld>
             <a:endParaRPr lang="en-US"/>
           </a:p>
@@ -610,7 +606,7 @@
           <a:p>
             <a:fld id="{C764DE79-268F-4C1A-8933-263129D2AF90}" type="datetimeFigureOut">
               <a:rPr lang="en-US" dirty="0"/>
-              <a:t>11/15/2024</a:t>
+              <a:t>3/28/2025</a:t>
             </a:fld>
             <a:endParaRPr lang="en-US"/>
           </a:p>
@@ -868,7 +864,7 @@
           <a:p>
             <a:fld id="{C764DE79-268F-4C1A-8933-263129D2AF90}" type="datetimeFigureOut">
               <a:rPr lang="en-US" dirty="0"/>
-              <a:t>11/15/2024</a:t>
+              <a:t>3/28/2025</a:t>
             </a:fld>
             <a:endParaRPr lang="en-US"/>
           </a:p>
@@ -1111,7 +1107,7 @@
           <a:p>
             <a:fld id="{C764DE79-268F-4C1A-8933-263129D2AF90}" type="datetimeFigureOut">
               <a:rPr lang="en-US" dirty="0"/>
-              <a:t>11/15/2024</a:t>
+              <a:t>3/28/2025</a:t>
             </a:fld>
             <a:endParaRPr lang="en-US"/>
           </a:p>
@@ -1340,7 +1336,7 @@
           <a:p>
             <a:fld id="{C764DE79-268F-4C1A-8933-263129D2AF90}" type="datetimeFigureOut">
               <a:rPr lang="en-US" dirty="0"/>
-              <a:t>11/15/2024</a:t>
+              <a:t>3/28/2025</a:t>
             </a:fld>
             <a:endParaRPr lang="en-US"/>
           </a:p>
@@ -1704,7 +1700,7 @@
           <a:p>
             <a:fld id="{C764DE79-268F-4C1A-8933-263129D2AF90}" type="datetimeFigureOut">
               <a:rPr lang="en-US" dirty="0"/>
-              <a:t>11/15/2024</a:t>
+              <a:t>3/28/2025</a:t>
             </a:fld>
             <a:endParaRPr lang="en-US"/>
           </a:p>
@@ -1821,7 +1817,7 @@
           <a:p>
             <a:fld id="{C764DE79-268F-4C1A-8933-263129D2AF90}" type="datetimeFigureOut">
               <a:rPr lang="en-US" dirty="0"/>
-              <a:t>11/15/2024</a:t>
+              <a:t>3/28/2025</a:t>
             </a:fld>
             <a:endParaRPr lang="en-US"/>
           </a:p>
@@ -1916,7 +1912,7 @@
           <a:p>
             <a:fld id="{C764DE79-268F-4C1A-8933-263129D2AF90}" type="datetimeFigureOut">
               <a:rPr lang="en-US" dirty="0"/>
-              <a:t>11/15/2024</a:t>
+              <a:t>3/28/2025</a:t>
             </a:fld>
             <a:endParaRPr lang="en-US"/>
           </a:p>
@@ -2191,7 +2187,7 @@
           <a:p>
             <a:fld id="{C764DE79-268F-4C1A-8933-263129D2AF90}" type="datetimeFigureOut">
               <a:rPr lang="en-US" dirty="0"/>
-              <a:t>11/15/2024</a:t>
+              <a:t>3/28/2025</a:t>
             </a:fld>
             <a:endParaRPr lang="en-US"/>
           </a:p>
@@ -2446,7 +2442,7 @@
           <a:p>
             <a:fld id="{C764DE79-268F-4C1A-8933-263129D2AF90}" type="datetimeFigureOut">
               <a:rPr lang="en-US" dirty="0"/>
-              <a:t>11/15/2024</a:t>
+              <a:t>3/28/2025</a:t>
             </a:fld>
             <a:endParaRPr lang="en-US"/>
           </a:p>
@@ -2657,7 +2653,7 @@
           <a:p>
             <a:fld id="{C764DE79-268F-4C1A-8933-263129D2AF90}" type="datetimeFigureOut">
               <a:rPr lang="en-US" dirty="0"/>
-              <a:t>11/15/2024</a:t>
+              <a:t>3/28/2025</a:t>
             </a:fld>
             <a:endParaRPr lang="en-US"/>
           </a:p>
@@ -3063,6 +3059,42 @@
           <a:chExt cx="0" cy="0"/>
         </a:xfrm>
       </p:grpSpPr>
+      <p:pic>
+        <p:nvPicPr>
+          <p:cNvPr id="16" name="Graphic 15">
+            <a:extLst>
+              <a:ext uri="{FF2B5EF4-FFF2-40B4-BE49-F238E27FC236}">
+                <a16:creationId xmlns:a16="http://schemas.microsoft.com/office/drawing/2014/main" id="{81D7F117-1B80-3FDE-C7F4-AE4AC97B1F03}"/>
+              </a:ext>
+            </a:extLst>
+          </p:cNvPr>
+          <p:cNvPicPr>
+            <a:picLocks noChangeAspect="1"/>
+          </p:cNvPicPr>
+          <p:nvPr/>
+        </p:nvPicPr>
+        <p:blipFill>
+          <a:blip r:embed="rId2">
+            <a:extLst>
+              <a:ext uri="{96DAC541-7B7A-43D3-8B79-37D633B846F1}">
+                <asvg:svgBlip xmlns:asvg="http://schemas.microsoft.com/office/drawing/2016/SVG/main" r:embed="rId3"/>
+              </a:ext>
+            </a:extLst>
+          </a:blip>
+          <a:stretch>
+            <a:fillRect/>
+          </a:stretch>
+        </p:blipFill>
+        <p:spPr>
+          <a:xfrm>
+            <a:off x="6730325" y="12379228"/>
+            <a:ext cx="36823400" cy="17129013"/>
+          </a:xfrm>
+          <a:prstGeom prst="rect">
+            <a:avLst/>
+          </a:prstGeom>
+        </p:spPr>
+      </p:pic>
       <p:sp>
         <p:nvSpPr>
           <p:cNvPr id="2" name="Google Shape;24;g11a88963fa4_0_0">
@@ -3706,11 +3738,11 @@
               <a:buChar char="•"/>
             </a:pPr>
             <a:r>
-              <a:rPr lang="en-US" sz="3600">
+              <a:rPr lang="en-US" sz="3600" dirty="0">
                 <a:latin typeface="Arial"/>
                 <a:cs typeface="Calibri"/>
               </a:rPr>
-              <a:t>Manual grading in programming is time-consuming and not scalable for large classes</a:t>
+              <a:t>Manual grading for code submissions is time-consuming and not scalable for large classes</a:t>
             </a:r>
           </a:p>
           <a:p>
@@ -3719,11 +3751,11 @@
               <a:buChar char="•"/>
             </a:pPr>
             <a:r>
-              <a:rPr lang="en-US" sz="3600">
+              <a:rPr lang="en-US" sz="3600" dirty="0">
                 <a:latin typeface="Arial"/>
                 <a:cs typeface="Calibri"/>
               </a:rPr>
-              <a:t>Current automated feedback systems typically detect surface-level syntax errors or match outputs using unit tests</a:t>
+              <a:t>Current automated feedback systems detect surface-level syntax errors or match outputs using unit tests</a:t>
             </a:r>
           </a:p>
           <a:p>
@@ -3732,7 +3764,7 @@
               <a:buChar char="•"/>
             </a:pPr>
             <a:r>
-              <a:rPr lang="en-US" sz="3600">
+              <a:rPr lang="en-US" sz="3600" dirty="0">
                 <a:latin typeface="Arial"/>
                 <a:cs typeface="Calibri"/>
               </a:rPr>
@@ -3756,14 +3788,14 @@
           <p:nvPr/>
         </p:nvPicPr>
         <p:blipFill>
-          <a:blip r:embed="rId2"/>
+          <a:blip r:embed="rId4"/>
           <a:stretch>
             <a:fillRect/>
           </a:stretch>
         </p:blipFill>
         <p:spPr>
           <a:xfrm>
-            <a:off x="23782391" y="28742695"/>
+            <a:off x="37046525" y="29093477"/>
             <a:ext cx="5315300" cy="2971619"/>
           </a:xfrm>
           <a:prstGeom prst="rect">
@@ -3786,15 +3818,14 @@
           <p:nvPr/>
         </p:nvPicPr>
         <p:blipFill>
-          <a:blip r:embed="rId3"/>
-          <a:stretch>
-            <a:fillRect/>
-          </a:stretch>
+          <a:blip r:embed="rId5"/>
+          <a:srcRect l="-3520" r="775" b="-3846"/>
+          <a:stretch/>
         </p:blipFill>
         <p:spPr>
           <a:xfrm>
-            <a:off x="30284881" y="24285508"/>
-            <a:ext cx="4094954" cy="4123529"/>
+            <a:off x="1525939" y="22503587"/>
+            <a:ext cx="4207348" cy="4282127"/>
           </a:xfrm>
           <a:prstGeom prst="rect">
             <a:avLst/>
@@ -3816,66 +3847,6 @@
           <p:nvPr/>
         </p:nvPicPr>
         <p:blipFill>
-          <a:blip r:embed="rId4"/>
-          <a:stretch>
-            <a:fillRect/>
-          </a:stretch>
-        </p:blipFill>
-        <p:spPr>
-          <a:xfrm>
-            <a:off x="11284429" y="23632833"/>
-            <a:ext cx="6383969" cy="6383969"/>
-          </a:xfrm>
-          <a:prstGeom prst="rect">
-            <a:avLst/>
-          </a:prstGeom>
-        </p:spPr>
-      </p:pic>
-      <p:pic>
-        <p:nvPicPr>
-          <p:cNvPr id="14" name="Picture 13">
-            <a:extLst>
-              <a:ext uri="{FF2B5EF4-FFF2-40B4-BE49-F238E27FC236}">
-                <a16:creationId xmlns:a16="http://schemas.microsoft.com/office/drawing/2014/main" id="{AE2B0200-4F74-C659-8638-F6E7EF4D1DEE}"/>
-              </a:ext>
-            </a:extLst>
-          </p:cNvPr>
-          <p:cNvPicPr>
-            <a:picLocks noChangeAspect="1"/>
-          </p:cNvPicPr>
-          <p:nvPr/>
-        </p:nvPicPr>
-        <p:blipFill>
-          <a:blip r:embed="rId5"/>
-          <a:stretch>
-            <a:fillRect/>
-          </a:stretch>
-        </p:blipFill>
-        <p:spPr>
-          <a:xfrm>
-            <a:off x="33929906" y="29550923"/>
-            <a:ext cx="8538665" cy="1658566"/>
-          </a:xfrm>
-          <a:prstGeom prst="rect">
-            <a:avLst/>
-          </a:prstGeom>
-        </p:spPr>
-      </p:pic>
-      <p:pic>
-        <p:nvPicPr>
-          <p:cNvPr id="15" name="Picture 14" descr="A black background with blue text&#10;&#10;Description automatically generated">
-            <a:extLst>
-              <a:ext uri="{FF2B5EF4-FFF2-40B4-BE49-F238E27FC236}">
-                <a16:creationId xmlns:a16="http://schemas.microsoft.com/office/drawing/2014/main" id="{0D9391B9-3C10-42CB-F631-21513610A4DE}"/>
-              </a:ext>
-            </a:extLst>
-          </p:cNvPr>
-          <p:cNvPicPr>
-            <a:picLocks noChangeAspect="1"/>
-          </p:cNvPicPr>
-          <p:nvPr/>
-        </p:nvPicPr>
-        <p:blipFill>
           <a:blip r:embed="rId6"/>
           <a:stretch>
             <a:fillRect/>
@@ -3883,8 +3854,8 @@
         </p:blipFill>
         <p:spPr>
           <a:xfrm>
-            <a:off x="1374422" y="24622520"/>
-            <a:ext cx="8245605" cy="5376398"/>
+            <a:off x="18392854" y="22499730"/>
+            <a:ext cx="8836483" cy="9075022"/>
           </a:xfrm>
           <a:prstGeom prst="rect">
             <a:avLst/>
@@ -3927,28 +3898,28 @@
               <a:buChar char="•"/>
             </a:pPr>
             <a:r>
-              <a:rPr lang="en-US" sz="3600" b="1">
+              <a:rPr lang="en-US" sz="3600" b="1" dirty="0">
                 <a:latin typeface="Arial"/>
                 <a:cs typeface="Calibri"/>
               </a:rPr>
               <a:t>Pedal</a:t>
             </a:r>
             <a:r>
-              <a:rPr lang="en-US" sz="3600">
+              <a:rPr lang="en-US" sz="3600" dirty="0">
                 <a:latin typeface="Arial"/>
                 <a:cs typeface="Calibri"/>
               </a:rPr>
               <a:t> (Pedagogical Library) by Luke </a:t>
             </a:r>
             <a:r>
-              <a:rPr lang="en-US" sz="3600" err="1">
+              <a:rPr lang="en-US" sz="3600" dirty="0" err="1">
                 <a:latin typeface="Arial"/>
                 <a:cs typeface="Calibri"/>
               </a:rPr>
               <a:t>Gusukuma</a:t>
             </a:r>
             <a:r>
-              <a:rPr lang="en-US" sz="3600">
+              <a:rPr lang="en-US" sz="3600" dirty="0">
                 <a:latin typeface="Arial"/>
                 <a:cs typeface="Calibri"/>
               </a:rPr>
@@ -3961,21 +3932,21 @@
               <a:buChar char="•"/>
             </a:pPr>
             <a:r>
-              <a:rPr lang="en-US" sz="3600">
+              <a:rPr lang="en-US" sz="3600" dirty="0">
                 <a:latin typeface="Arial"/>
                 <a:cs typeface="Calibri"/>
               </a:rPr>
               <a:t>Written in </a:t>
             </a:r>
             <a:r>
-              <a:rPr lang="en-US" sz="3600" b="1">
+              <a:rPr lang="en-US" sz="3600" b="1" dirty="0">
                 <a:latin typeface="Arial"/>
                 <a:cs typeface="Calibri"/>
               </a:rPr>
               <a:t>Python</a:t>
             </a:r>
             <a:r>
-              <a:rPr lang="en-US" sz="3600">
+              <a:rPr lang="en-US" sz="3600" dirty="0">
                 <a:latin typeface="Arial"/>
                 <a:cs typeface="Calibri"/>
               </a:rPr>
@@ -3988,25 +3959,25 @@
               <a:buChar char="•"/>
             </a:pPr>
             <a:r>
-              <a:rPr lang="en-US" sz="3600">
+              <a:rPr lang="en-US" sz="3600" dirty="0">
                 <a:latin typeface="Arial"/>
                 <a:cs typeface="Calibri"/>
               </a:rPr>
               <a:t>Many introductory courses instead use </a:t>
             </a:r>
             <a:r>
-              <a:rPr lang="en-US" sz="3600" b="1">
+              <a:rPr lang="en-US" sz="3600" b="1" dirty="0">
                 <a:latin typeface="Arial"/>
                 <a:cs typeface="Calibri"/>
               </a:rPr>
               <a:t>Java</a:t>
             </a:r>
             <a:r>
-              <a:rPr lang="en-US" sz="3600">
+              <a:rPr lang="en-US" sz="3600" dirty="0">
                 <a:latin typeface="Arial"/>
                 <a:cs typeface="Calibri"/>
               </a:rPr>
-              <a:t>, motivated by teaching object-oriented concepts</a:t>
+              <a:t>, motivated by object-oriented foundations</a:t>
             </a:r>
           </a:p>
           <a:p>
@@ -4159,543 +4130,14 @@
         </p:blipFill>
         <p:spPr>
           <a:xfrm>
-            <a:off x="20670004" y="25542842"/>
-            <a:ext cx="2536810" cy="2536810"/>
+            <a:off x="1796282" y="15502939"/>
+            <a:ext cx="3628579" cy="3509526"/>
           </a:xfrm>
           <a:prstGeom prst="rect">
             <a:avLst/>
           </a:prstGeom>
         </p:spPr>
       </p:pic>
-      <p:pic>
-        <p:nvPicPr>
-          <p:cNvPr id="26" name="Picture 25" descr="A diagram of a program&#10;&#10;Description automatically generated">
-            <a:extLst>
-              <a:ext uri="{FF2B5EF4-FFF2-40B4-BE49-F238E27FC236}">
-                <a16:creationId xmlns:a16="http://schemas.microsoft.com/office/drawing/2014/main" id="{39AEB315-65C4-8FC9-84A5-2AAF574C0174}"/>
-              </a:ext>
-            </a:extLst>
-          </p:cNvPr>
-          <p:cNvPicPr>
-            <a:picLocks noChangeAspect="1"/>
-          </p:cNvPicPr>
-          <p:nvPr/>
-        </p:nvPicPr>
-        <p:blipFill>
-          <a:blip r:embed="rId8"/>
-          <a:srcRect l="1102" t="3516" r="3030" b="-252"/>
-          <a:stretch/>
-        </p:blipFill>
-        <p:spPr>
-          <a:xfrm>
-            <a:off x="840801" y="12312905"/>
-            <a:ext cx="16545476" cy="11816669"/>
-          </a:xfrm>
-          <a:prstGeom prst="rect">
-            <a:avLst/>
-          </a:prstGeom>
-        </p:spPr>
-      </p:pic>
-      <p:sp>
-        <p:nvSpPr>
-          <p:cNvPr id="27" name="Oval 26">
-            <a:extLst>
-              <a:ext uri="{FF2B5EF4-FFF2-40B4-BE49-F238E27FC236}">
-                <a16:creationId xmlns:a16="http://schemas.microsoft.com/office/drawing/2014/main" id="{3A19F4B3-025A-EA74-D4C3-91B891F21EBC}"/>
-              </a:ext>
-            </a:extLst>
-          </p:cNvPr>
-          <p:cNvSpPr/>
-          <p:nvPr/>
-        </p:nvSpPr>
-        <p:spPr>
-          <a:xfrm>
-            <a:off x="13337268" y="14080641"/>
-            <a:ext cx="2264339" cy="1703816"/>
-          </a:xfrm>
-          <a:prstGeom prst="ellipse">
-            <a:avLst/>
-          </a:prstGeom>
-          <a:noFill/>
-          <a:ln>
-            <a:solidFill>
-              <a:srgbClr val="00B050"/>
-            </a:solidFill>
-          </a:ln>
-        </p:spPr>
-        <p:style>
-          <a:lnRef idx="2">
-            <a:schemeClr val="accent1">
-              <a:shade val="15000"/>
-            </a:schemeClr>
-          </a:lnRef>
-          <a:fillRef idx="1">
-            <a:schemeClr val="accent1"/>
-          </a:fillRef>
-          <a:effectRef idx="0">
-            <a:schemeClr val="accent1"/>
-          </a:effectRef>
-          <a:fontRef idx="minor">
-            <a:schemeClr val="lt1"/>
-          </a:fontRef>
-        </p:style>
-        <p:txBody>
-          <a:bodyPr rtlCol="0" anchor="ctr"/>
-          <a:lstStyle/>
-          <a:p>
-            <a:pPr algn="ctr"/>
-            <a:endParaRPr lang="en-US"/>
-          </a:p>
-        </p:txBody>
-      </p:sp>
-      <p:sp>
-        <p:nvSpPr>
-          <p:cNvPr id="30" name="Rectangle 29">
-            <a:extLst>
-              <a:ext uri="{FF2B5EF4-FFF2-40B4-BE49-F238E27FC236}">
-                <a16:creationId xmlns:a16="http://schemas.microsoft.com/office/drawing/2014/main" id="{3F99326F-4AE9-3E6C-4369-4529F4D7E084}"/>
-              </a:ext>
-            </a:extLst>
-          </p:cNvPr>
-          <p:cNvSpPr/>
-          <p:nvPr/>
-        </p:nvSpPr>
-        <p:spPr>
-          <a:xfrm>
-            <a:off x="19413427" y="13161381"/>
-            <a:ext cx="22839141" cy="9583068"/>
-          </a:xfrm>
-          <a:prstGeom prst="rect">
-            <a:avLst/>
-          </a:prstGeom>
-          <a:solidFill>
-            <a:schemeClr val="bg1"/>
-          </a:solidFill>
-          <a:ln>
-            <a:solidFill>
-              <a:schemeClr val="tx1"/>
-            </a:solidFill>
-          </a:ln>
-        </p:spPr>
-        <p:style>
-          <a:lnRef idx="2">
-            <a:schemeClr val="accent1">
-              <a:shade val="15000"/>
-            </a:schemeClr>
-          </a:lnRef>
-          <a:fillRef idx="1">
-            <a:schemeClr val="accent1"/>
-          </a:fillRef>
-          <a:effectRef idx="0">
-            <a:schemeClr val="accent1"/>
-          </a:effectRef>
-          <a:fontRef idx="minor">
-            <a:schemeClr val="lt1"/>
-          </a:fontRef>
-        </p:style>
-        <p:txBody>
-          <a:bodyPr rtlCol="0" anchor="ctr"/>
-          <a:lstStyle/>
-          <a:p>
-            <a:pPr algn="ctr"/>
-            <a:r>
-              <a:rPr lang="en-US" sz="8000">
-                <a:cs typeface="Calibri"/>
-              </a:rPr>
-              <a:t>[UML Goes Here]</a:t>
-            </a:r>
-          </a:p>
-        </p:txBody>
-      </p:sp>
-      <p:cxnSp>
-        <p:nvCxnSpPr>
-          <p:cNvPr id="31" name="Straight Arrow Connector 30">
-            <a:extLst>
-              <a:ext uri="{FF2B5EF4-FFF2-40B4-BE49-F238E27FC236}">
-                <a16:creationId xmlns:a16="http://schemas.microsoft.com/office/drawing/2014/main" id="{CC03BC1B-20E3-C5BE-560B-BC7CC77D8F8F}"/>
-              </a:ext>
-            </a:extLst>
-          </p:cNvPr>
-          <p:cNvCxnSpPr/>
-          <p:nvPr/>
-        </p:nvCxnSpPr>
-        <p:spPr>
-          <a:xfrm>
-            <a:off x="15712154" y="15543562"/>
-            <a:ext cx="3602861" cy="1269367"/>
-          </a:xfrm>
-          <a:prstGeom prst="straightConnector1">
-            <a:avLst/>
-          </a:prstGeom>
-          <a:ln w="57150">
-            <a:solidFill>
-              <a:srgbClr val="00B050"/>
-            </a:solidFill>
-            <a:tailEnd type="triangle"/>
-          </a:ln>
-        </p:spPr>
-        <p:style>
-          <a:lnRef idx="1">
-            <a:schemeClr val="accent1"/>
-          </a:lnRef>
-          <a:fillRef idx="0">
-            <a:schemeClr val="accent1"/>
-          </a:fillRef>
-          <a:effectRef idx="0">
-            <a:schemeClr val="accent1"/>
-          </a:effectRef>
-          <a:fontRef idx="minor">
-            <a:schemeClr val="tx1"/>
-          </a:fontRef>
-        </p:style>
-      </p:cxnSp>
-      <p:sp>
-        <p:nvSpPr>
-          <p:cNvPr id="9" name="Rectangle 8">
-            <a:extLst>
-              <a:ext uri="{FF2B5EF4-FFF2-40B4-BE49-F238E27FC236}">
-                <a16:creationId xmlns:a16="http://schemas.microsoft.com/office/drawing/2014/main" id="{8CB0D5F8-42C8-1AB3-0D59-25DBEAD9A138}"/>
-              </a:ext>
-            </a:extLst>
-          </p:cNvPr>
-          <p:cNvSpPr/>
-          <p:nvPr/>
-        </p:nvSpPr>
-        <p:spPr>
-          <a:xfrm>
-            <a:off x="19423431" y="13177226"/>
-            <a:ext cx="22847958" cy="1237888"/>
-          </a:xfrm>
-          <a:prstGeom prst="rect">
-            <a:avLst/>
-          </a:prstGeom>
-          <a:solidFill>
-            <a:schemeClr val="bg1"/>
-          </a:solidFill>
-        </p:spPr>
-        <p:style>
-          <a:lnRef idx="2">
-            <a:schemeClr val="accent1">
-              <a:shade val="15000"/>
-            </a:schemeClr>
-          </a:lnRef>
-          <a:fillRef idx="1">
-            <a:schemeClr val="accent1"/>
-          </a:fillRef>
-          <a:effectRef idx="0">
-            <a:schemeClr val="accent1"/>
-          </a:effectRef>
-          <a:fontRef idx="minor">
-            <a:schemeClr val="lt1"/>
-          </a:fontRef>
-        </p:style>
-        <p:txBody>
-          <a:bodyPr rtlCol="0" anchor="ctr"/>
-          <a:lstStyle/>
-          <a:p>
-            <a:pPr algn="ctr"/>
-            <a:endParaRPr lang="en-US"/>
-          </a:p>
-        </p:txBody>
-      </p:sp>
-      <p:sp>
-        <p:nvSpPr>
-          <p:cNvPr id="12" name="TextBox 11">
-            <a:extLst>
-              <a:ext uri="{FF2B5EF4-FFF2-40B4-BE49-F238E27FC236}">
-                <a16:creationId xmlns:a16="http://schemas.microsoft.com/office/drawing/2014/main" id="{FCE7A09D-5FB3-FFAD-CF6C-DFB70FBBBF22}"/>
-              </a:ext>
-            </a:extLst>
-          </p:cNvPr>
-          <p:cNvSpPr txBox="1"/>
-          <p:nvPr/>
-        </p:nvSpPr>
-        <p:spPr>
-          <a:xfrm>
-            <a:off x="29603451" y="13412811"/>
-            <a:ext cx="2844821" cy="830997"/>
-          </a:xfrm>
-          <a:prstGeom prst="rect">
-            <a:avLst/>
-          </a:prstGeom>
-          <a:noFill/>
-        </p:spPr>
-        <p:txBody>
-          <a:bodyPr rot="0" spcFirstLastPara="0" vertOverflow="overflow" horzOverflow="overflow" vert="horz" wrap="square" lIns="91440" tIns="45720" rIns="91440" bIns="45720" numCol="1" spcCol="0" rtlCol="0" fromWordArt="0" anchor="t" anchorCtr="0" forceAA="0" compatLnSpc="1">
-            <a:prstTxWarp prst="textNoShape">
-              <a:avLst/>
-            </a:prstTxWarp>
-            <a:spAutoFit/>
-          </a:bodyPr>
-          <a:lstStyle/>
-          <a:p>
-            <a:pPr algn="ctr"/>
-            <a:r>
-              <a:rPr lang="en-US" sz="4800" b="1" dirty="0">
-                <a:cs typeface="Calibri"/>
-              </a:rPr>
-              <a:t>CAIT</a:t>
-            </a:r>
-          </a:p>
-        </p:txBody>
-      </p:sp>
-      <p:sp>
-        <p:nvSpPr>
-          <p:cNvPr id="17" name="TextBox 16">
-            <a:extLst>
-              <a:ext uri="{FF2B5EF4-FFF2-40B4-BE49-F238E27FC236}">
-                <a16:creationId xmlns:a16="http://schemas.microsoft.com/office/drawing/2014/main" id="{0518912E-B74B-56AD-4EE8-467D7D2F8108}"/>
-              </a:ext>
-            </a:extLst>
-          </p:cNvPr>
-          <p:cNvSpPr txBox="1"/>
-          <p:nvPr/>
-        </p:nvSpPr>
-        <p:spPr>
-          <a:xfrm>
-            <a:off x="19423081" y="14937216"/>
-            <a:ext cx="23046983" cy="7848302"/>
-          </a:xfrm>
-          <a:prstGeom prst="rect">
-            <a:avLst/>
-          </a:prstGeom>
-          <a:noFill/>
-        </p:spPr>
-        <p:txBody>
-          <a:bodyPr rot="0" spcFirstLastPara="0" vertOverflow="overflow" horzOverflow="overflow" vert="horz" wrap="square" lIns="91440" tIns="45720" rIns="91440" bIns="45720" numCol="1" spcCol="0" rtlCol="0" fromWordArt="0" anchor="t" anchorCtr="0" forceAA="0" compatLnSpc="1">
-            <a:prstTxWarp prst="textNoShape">
-              <a:avLst/>
-            </a:prstTxWarp>
-            <a:spAutoFit/>
-          </a:bodyPr>
-          <a:lstStyle/>
-          <a:p>
-            <a:pPr marL="571500" indent="-571500">
-              <a:buFont typeface="Arial"/>
-              <a:buChar char="•"/>
-            </a:pPr>
-            <a:r>
-              <a:rPr lang="en-US" sz="3600" dirty="0">
-                <a:latin typeface="Arial"/>
-                <a:cs typeface="Arial"/>
-              </a:rPr>
-              <a:t>Take in student submission, parsed as </a:t>
-            </a:r>
-            <a:r>
-              <a:rPr lang="en-US" sz="3600" b="1" dirty="0">
-                <a:latin typeface="Arial"/>
-                <a:cs typeface="Arial"/>
-              </a:rPr>
-              <a:t>Abstract Syntax Tree</a:t>
-            </a:r>
-            <a:r>
-              <a:rPr lang="en-US" sz="3600" dirty="0">
-                <a:latin typeface="Arial"/>
-                <a:cs typeface="Arial"/>
-              </a:rPr>
-              <a:t> by </a:t>
-            </a:r>
-            <a:r>
-              <a:rPr lang="en-US" sz="3600" b="1" dirty="0">
-                <a:latin typeface="Arial"/>
-                <a:cs typeface="Arial"/>
-              </a:rPr>
-              <a:t>Source</a:t>
-            </a:r>
-            <a:r>
-              <a:rPr lang="en-US" sz="3600" dirty="0">
-                <a:latin typeface="Arial"/>
-                <a:cs typeface="Arial"/>
-              </a:rPr>
-              <a:t> module</a:t>
-            </a:r>
-          </a:p>
-          <a:p>
-            <a:pPr marL="571500" indent="-571500">
-              <a:buFont typeface="Arial"/>
-              <a:buChar char="•"/>
-            </a:pPr>
-            <a:r>
-              <a:rPr lang="en-US" sz="3600" dirty="0">
-                <a:latin typeface="Arial"/>
-                <a:cs typeface="Arial"/>
-              </a:rPr>
-              <a:t>Take in teacher pattern, formatted as Abstract Syntax Tree</a:t>
-            </a:r>
-          </a:p>
-          <a:p>
-            <a:pPr marL="571500" indent="-571500">
-              <a:buFont typeface="Arial"/>
-              <a:buChar char="•"/>
-            </a:pPr>
-            <a:r>
-              <a:rPr lang="en-US" sz="3600" dirty="0">
-                <a:latin typeface="Arial"/>
-                <a:cs typeface="Arial"/>
-              </a:rPr>
-              <a:t>Attempt to </a:t>
-            </a:r>
-            <a:r>
-              <a:rPr lang="en-US" sz="3600" b="1" dirty="0">
-                <a:latin typeface="Arial"/>
-                <a:cs typeface="Arial"/>
-              </a:rPr>
-              <a:t>find matches</a:t>
-            </a:r>
-            <a:r>
-              <a:rPr lang="en-US" sz="3600" dirty="0">
-                <a:latin typeface="Arial"/>
-                <a:cs typeface="Arial"/>
-              </a:rPr>
-              <a:t>:</a:t>
-            </a:r>
-          </a:p>
-          <a:p>
-            <a:pPr marL="1028700" lvl="1" indent="-571500">
-              <a:buFont typeface="Courier New"/>
-              <a:buChar char="o"/>
-            </a:pPr>
-            <a:r>
-              <a:rPr lang="en-US" sz="3600" dirty="0">
-                <a:latin typeface="Arial"/>
-                <a:cs typeface="Arial"/>
-              </a:rPr>
-              <a:t>Semantically equal nodes are equal</a:t>
-            </a:r>
-          </a:p>
-          <a:p>
-            <a:pPr marL="1028700" lvl="1" indent="-571500">
-              <a:buFont typeface="Courier New"/>
-              <a:buChar char="o"/>
-            </a:pPr>
-            <a:r>
-              <a:rPr lang="en-US" sz="3600" dirty="0">
-                <a:latin typeface="Arial"/>
-                <a:cs typeface="Arial"/>
-              </a:rPr>
-              <a:t>Expression placeholders match any node</a:t>
-            </a:r>
-          </a:p>
-          <a:p>
-            <a:pPr marL="1028700" lvl="1" indent="-571500">
-              <a:buFont typeface="Courier New"/>
-              <a:buChar char="o"/>
-            </a:pPr>
-            <a:r>
-              <a:rPr lang="en-US" sz="3600" dirty="0">
-                <a:latin typeface="Arial"/>
-                <a:cs typeface="Arial"/>
-              </a:rPr>
-              <a:t>Variable placeholders match identifiers</a:t>
-            </a:r>
-          </a:p>
-          <a:p>
-            <a:pPr marL="1485900" lvl="2" indent="-571500">
-              <a:buFont typeface="Wingdings"/>
-              <a:buChar char="§"/>
-            </a:pPr>
-            <a:r>
-              <a:rPr lang="en-US" sz="3600" dirty="0">
-                <a:latin typeface="Arial"/>
-                <a:cs typeface="Arial"/>
-              </a:rPr>
-              <a:t>Symbol table ensures consistency</a:t>
-            </a:r>
-          </a:p>
-          <a:p>
-            <a:pPr marL="571500" indent="-571500">
-              <a:buFont typeface="Arial"/>
-              <a:buChar char="•"/>
-            </a:pPr>
-            <a:r>
-              <a:rPr lang="en-US" sz="3600" dirty="0">
-                <a:latin typeface="Arial"/>
-                <a:cs typeface="Arial"/>
-              </a:rPr>
-              <a:t>Recursively search for subtree matches</a:t>
-            </a:r>
-          </a:p>
-          <a:p>
-            <a:pPr marL="571500" indent="-571500">
-              <a:buFont typeface="Arial"/>
-              <a:buChar char="•"/>
-            </a:pPr>
-            <a:r>
-              <a:rPr lang="en-US" sz="3600" dirty="0">
-                <a:latin typeface="Arial"/>
-                <a:cs typeface="Arial"/>
-              </a:rPr>
-              <a:t>Apply </a:t>
-            </a:r>
-            <a:r>
-              <a:rPr lang="en-US" sz="3600" b="1" dirty="0">
-                <a:latin typeface="Arial"/>
-                <a:cs typeface="Arial"/>
-              </a:rPr>
-              <a:t>horizontal stretching</a:t>
-            </a:r>
-          </a:p>
-          <a:p>
-            <a:pPr marL="1028700" lvl="1" indent="-571500">
-              <a:buFont typeface="Courier New"/>
-              <a:buChar char="o"/>
-            </a:pPr>
-            <a:r>
-              <a:rPr lang="en-US" sz="3600" dirty="0">
-                <a:latin typeface="Arial"/>
-                <a:cs typeface="Arial"/>
-              </a:rPr>
-              <a:t>Siblings of commutative operations can be swapped (total + item -&gt; item + total)</a:t>
-            </a:r>
-          </a:p>
-          <a:p>
-            <a:pPr marL="1028700" lvl="1" indent="-571500">
-              <a:buFont typeface="Courier New"/>
-              <a:buChar char="o"/>
-            </a:pPr>
-            <a:r>
-              <a:rPr lang="en-US" sz="3600" dirty="0">
-                <a:latin typeface="Arial"/>
-                <a:cs typeface="Arial"/>
-              </a:rPr>
-              <a:t>Irrelevant nodes can be deleted</a:t>
-            </a:r>
-          </a:p>
-          <a:p>
-            <a:pPr marL="571500" indent="-571500">
-              <a:buFont typeface="Arial"/>
-              <a:buChar char="•"/>
-            </a:pPr>
-            <a:r>
-              <a:rPr lang="en-US" sz="3600" dirty="0">
-                <a:latin typeface="Arial"/>
-                <a:cs typeface="Arial"/>
-              </a:rPr>
-              <a:t>Output and save results for further interpretation</a:t>
-            </a:r>
-          </a:p>
-          <a:p>
-            <a:pPr marL="571500" indent="-571500">
-              <a:buFont typeface="Arial"/>
-              <a:buChar char="•"/>
-            </a:pPr>
-            <a:endParaRPr lang="en-US" sz="3600" dirty="0">
-              <a:latin typeface="Consolas"/>
-              <a:cs typeface="Arial"/>
-            </a:endParaRPr>
-          </a:p>
-          <a:p>
-            <a:pPr marL="571500" indent="-571500">
-              <a:buFont typeface="Arial"/>
-              <a:buChar char="•"/>
-            </a:pPr>
-            <a:endParaRPr lang="en-US" sz="3600" dirty="0">
-              <a:latin typeface="Arial"/>
-              <a:cs typeface="Arial"/>
-            </a:endParaRPr>
-          </a:p>
-        </p:txBody>
-      </p:sp>
     </p:spTree>
     <p:extLst>
       <p:ext uri="{BB962C8B-B14F-4D97-AF65-F5344CB8AC3E}">
